--- a/anychat.pptx
+++ b/anychat.pptx
@@ -3347,6 +3347,42 @@
           </a:p>
         </p:txBody>
       </p:sp>
+      <p:cxnSp>
+        <p:nvCxnSpPr>
+          <p:cNvPr id="63" name="直接箭头连接符 62"/>
+          <p:cNvCxnSpPr>
+            <a:stCxn id="61" idx="6"/>
+            <a:endCxn id="56" idx="2"/>
+          </p:cNvCxnSpPr>
+          <p:nvPr/>
+        </p:nvCxnSpPr>
+        <p:spPr>
+          <a:xfrm flipV="1">
+            <a:off x="1500166" y="3250405"/>
+            <a:ext cx="4572032" cy="678661"/>
+          </a:xfrm>
+          <a:prstGeom prst="straightConnector1">
+            <a:avLst/>
+          </a:prstGeom>
+          <a:ln>
+            <a:tailEnd type="arrow"/>
+          </a:ln>
+        </p:spPr>
+        <p:style>
+          <a:lnRef idx="3">
+            <a:schemeClr val="dk1"/>
+          </a:lnRef>
+          <a:fillRef idx="0">
+            <a:schemeClr val="dk1"/>
+          </a:fillRef>
+          <a:effectRef idx="2">
+            <a:schemeClr val="dk1"/>
+          </a:effectRef>
+          <a:fontRef idx="minor">
+            <a:schemeClr val="tx1"/>
+          </a:fontRef>
+        </p:style>
+      </p:cxnSp>
       <p:sp>
         <p:nvSpPr>
           <p:cNvPr id="34" name="圆角矩形 33"/>
@@ -3493,7 +3529,7 @@
         <p:spPr>
           <a:xfrm flipH="1" flipV="1">
             <a:off x="1571604" y="1071546"/>
-            <a:ext cx="1643074" cy="2643206"/>
+            <a:ext cx="1643074" cy="1928826"/>
           </a:xfrm>
           <a:prstGeom prst="bentArrow">
             <a:avLst>
@@ -3542,7 +3578,7 @@
         <p:spPr>
           <a:xfrm flipV="1">
             <a:off x="4071934" y="1071546"/>
-            <a:ext cx="1143008" cy="2143140"/>
+            <a:ext cx="1143008" cy="1857388"/>
           </a:xfrm>
           <a:prstGeom prst="bentArrow">
             <a:avLst>
@@ -3590,7 +3626,7 @@
         </p:nvSpPr>
         <p:spPr>
           <a:xfrm>
-            <a:off x="2000232" y="1357298"/>
+            <a:off x="2000232" y="1214422"/>
             <a:ext cx="1000132" cy="571504"/>
           </a:xfrm>
           <a:prstGeom prst="ellipse">
@@ -3632,7 +3668,7 @@
         </p:nvSpPr>
         <p:spPr>
           <a:xfrm>
-            <a:off x="500034" y="3000372"/>
+            <a:off x="500034" y="2928934"/>
             <a:ext cx="1000132" cy="571504"/>
           </a:xfrm>
           <a:prstGeom prst="ellipse">
@@ -4006,10 +4042,10 @@
             <a:schemeClr val="lt1"/>
           </a:lnRef>
           <a:fillRef idx="1">
-            <a:schemeClr val="accent3"/>
+            <a:schemeClr val="dk1"/>
           </a:fillRef>
           <a:effectRef idx="1">
-            <a:schemeClr val="accent3"/>
+            <a:schemeClr val="dk1"/>
           </a:effectRef>
           <a:fontRef idx="minor">
             <a:schemeClr val="lt1"/>
@@ -4382,7 +4418,7 @@
         </p:nvSpPr>
         <p:spPr>
           <a:xfrm>
-            <a:off x="500034" y="2285992"/>
+            <a:off x="500034" y="2143116"/>
             <a:ext cx="1000132" cy="571504"/>
           </a:xfrm>
           <a:prstGeom prst="ellipse">
@@ -4424,7 +4460,7 @@
         </p:nvSpPr>
         <p:spPr>
           <a:xfrm>
-            <a:off x="500034" y="3714752"/>
+            <a:off x="500034" y="4357694"/>
             <a:ext cx="1000132" cy="571504"/>
           </a:xfrm>
           <a:prstGeom prst="ellipse">
@@ -4466,7 +4502,7 @@
         </p:nvSpPr>
         <p:spPr>
           <a:xfrm>
-            <a:off x="2000232" y="2000240"/>
+            <a:off x="2000232" y="1857364"/>
             <a:ext cx="1000132" cy="571504"/>
           </a:xfrm>
           <a:prstGeom prst="ellipse">
@@ -4508,7 +4544,7 @@
         </p:nvSpPr>
         <p:spPr>
           <a:xfrm>
-            <a:off x="500034" y="4429132"/>
+            <a:off x="500034" y="5000636"/>
             <a:ext cx="1000132" cy="571504"/>
           </a:xfrm>
           <a:prstGeom prst="ellipse">
@@ -5096,6 +5132,206 @@
               <a:t>2</a:t>
             </a:r>
             <a:endParaRPr lang="zh-CN" altLang="en-US" dirty="0"/>
+          </a:p>
+        </p:txBody>
+      </p:sp>
+      <p:cxnSp>
+        <p:nvCxnSpPr>
+          <p:cNvPr id="53" name="直接箭头连接符 52"/>
+          <p:cNvCxnSpPr>
+            <a:stCxn id="40" idx="6"/>
+            <a:endCxn id="57" idx="1"/>
+          </p:cNvCxnSpPr>
+          <p:nvPr/>
+        </p:nvCxnSpPr>
+        <p:spPr>
+          <a:xfrm>
+            <a:off x="1500166" y="3214686"/>
+            <a:ext cx="4655727" cy="501861"/>
+          </a:xfrm>
+          <a:prstGeom prst="straightConnector1">
+            <a:avLst/>
+          </a:prstGeom>
+          <a:ln>
+            <a:tailEnd type="arrow"/>
+          </a:ln>
+        </p:spPr>
+        <p:style>
+          <a:lnRef idx="3">
+            <a:schemeClr val="accent6"/>
+          </a:lnRef>
+          <a:fillRef idx="0">
+            <a:schemeClr val="accent6"/>
+          </a:fillRef>
+          <a:effectRef idx="2">
+            <a:schemeClr val="accent6"/>
+          </a:effectRef>
+          <a:fontRef idx="minor">
+            <a:schemeClr val="tx1"/>
+          </a:fontRef>
+        </p:style>
+      </p:cxnSp>
+      <p:sp>
+        <p:nvSpPr>
+          <p:cNvPr id="54" name="矩形标注 53"/>
+          <p:cNvSpPr/>
+          <p:nvPr/>
+        </p:nvSpPr>
+        <p:spPr>
+          <a:xfrm>
+            <a:off x="2285984" y="2714620"/>
+            <a:ext cx="1571636" cy="428628"/>
+          </a:xfrm>
+          <a:prstGeom prst="wedgeRectCallout">
+            <a:avLst>
+              <a:gd name="adj1" fmla="val -29541"/>
+              <a:gd name="adj2" fmla="val 92976"/>
+            </a:avLst>
+          </a:prstGeom>
+        </p:spPr>
+        <p:style>
+          <a:lnRef idx="2">
+            <a:schemeClr val="accent6"/>
+          </a:lnRef>
+          <a:fillRef idx="1">
+            <a:schemeClr val="lt1"/>
+          </a:fillRef>
+          <a:effectRef idx="0">
+            <a:schemeClr val="accent6"/>
+          </a:effectRef>
+          <a:fontRef idx="minor">
+            <a:schemeClr val="dk1"/>
+          </a:fontRef>
+        </p:style>
+        <p:txBody>
+          <a:bodyPr rtlCol="0" anchor="ctr"/>
+          <a:lstStyle/>
+          <a:p>
+            <a:pPr algn="ctr"/>
+            <a:r>
+              <a:rPr lang="zh-CN" altLang="en-US" dirty="0" smtClean="0">
+                <a:solidFill>
+                  <a:schemeClr val="tx1"/>
+                </a:solidFill>
+              </a:rPr>
+              <a:t>断线</a:t>
+            </a:r>
+            <a:r>
+              <a:rPr lang="zh-CN" altLang="en-US" dirty="0" smtClean="0">
+                <a:solidFill>
+                  <a:schemeClr val="tx1"/>
+                </a:solidFill>
+              </a:rPr>
+              <a:t>，</a:t>
+            </a:r>
+            <a:r>
+              <a:rPr lang="zh-CN" altLang="en-US" dirty="0" smtClean="0">
+                <a:solidFill>
+                  <a:schemeClr val="tx1"/>
+                </a:solidFill>
+              </a:rPr>
+              <a:t>改状态</a:t>
+            </a:r>
+            <a:endParaRPr lang="zh-CN" altLang="en-US" dirty="0">
+              <a:solidFill>
+                <a:schemeClr val="tx1"/>
+              </a:solidFill>
+            </a:endParaRPr>
+          </a:p>
+        </p:txBody>
+      </p:sp>
+      <p:sp>
+        <p:nvSpPr>
+          <p:cNvPr id="61" name="椭圆 60"/>
+          <p:cNvSpPr/>
+          <p:nvPr/>
+        </p:nvSpPr>
+        <p:spPr>
+          <a:xfrm>
+            <a:off x="500034" y="3643314"/>
+            <a:ext cx="1000132" cy="571504"/>
+          </a:xfrm>
+          <a:prstGeom prst="ellipse">
+            <a:avLst/>
+          </a:prstGeom>
+        </p:spPr>
+        <p:style>
+          <a:lnRef idx="3">
+            <a:schemeClr val="lt1"/>
+          </a:lnRef>
+          <a:fillRef idx="1">
+            <a:schemeClr val="accent3"/>
+          </a:fillRef>
+          <a:effectRef idx="1">
+            <a:schemeClr val="accent3"/>
+          </a:effectRef>
+          <a:fontRef idx="minor">
+            <a:schemeClr val="lt1"/>
+          </a:fontRef>
+        </p:style>
+        <p:txBody>
+          <a:bodyPr rtlCol="0" anchor="ctr"/>
+          <a:lstStyle/>
+          <a:p>
+            <a:pPr algn="ctr"/>
+            <a:r>
+              <a:rPr lang="zh-CN" altLang="en-US" dirty="0" smtClean="0"/>
+              <a:t>登录</a:t>
+            </a:r>
+            <a:endParaRPr lang="zh-CN" altLang="en-US" dirty="0"/>
+          </a:p>
+        </p:txBody>
+      </p:sp>
+      <p:sp>
+        <p:nvSpPr>
+          <p:cNvPr id="64" name="矩形标注 63"/>
+          <p:cNvSpPr/>
+          <p:nvPr/>
+        </p:nvSpPr>
+        <p:spPr>
+          <a:xfrm>
+            <a:off x="3929058" y="2857496"/>
+            <a:ext cx="1571636" cy="428628"/>
+          </a:xfrm>
+          <a:prstGeom prst="wedgeRectCallout">
+            <a:avLst>
+              <a:gd name="adj1" fmla="val -2053"/>
+              <a:gd name="adj2" fmla="val 86203"/>
+            </a:avLst>
+          </a:prstGeom>
+        </p:spPr>
+        <p:style>
+          <a:lnRef idx="2">
+            <a:schemeClr val="dk1"/>
+          </a:lnRef>
+          <a:fillRef idx="1">
+            <a:schemeClr val="lt1"/>
+          </a:fillRef>
+          <a:effectRef idx="0">
+            <a:schemeClr val="dk1"/>
+          </a:effectRef>
+          <a:fontRef idx="minor">
+            <a:schemeClr val="dk1"/>
+          </a:fontRef>
+        </p:style>
+        <p:txBody>
+          <a:bodyPr rtlCol="0" anchor="ctr"/>
+          <a:lstStyle/>
+          <a:p>
+            <a:pPr algn="ctr"/>
+            <a:r>
+              <a:rPr lang="zh-CN" altLang="en-US" dirty="0" smtClean="0">
+                <a:solidFill>
+                  <a:schemeClr val="tx1"/>
+                </a:solidFill>
+              </a:rPr>
+              <a:t>被踢，改状态</a:t>
+            </a:r>
+            <a:endParaRPr lang="zh-CN" altLang="en-US" dirty="0">
+              <a:solidFill>
+                <a:schemeClr val="tx1"/>
+              </a:solidFill>
+            </a:endParaRPr>
           </a:p>
         </p:txBody>
       </p:sp>

--- a/anychat.pptx
+++ b/anychat.pptx
@@ -6,6 +6,7 @@
   </p:sldMasterIdLst>
   <p:sldIdLst>
     <p:sldId id="256" r:id="rId2"/>
+    <p:sldId id="257" r:id="rId3"/>
   </p:sldIdLst>
   <p:sldSz cx="9144000" cy="6858000" type="screen4x3"/>
   <p:notesSz cx="6858000" cy="9144000"/>
@@ -289,7 +290,7 @@
             <a:fld id="{530820CF-B880-4189-942D-D702A7CBA730}" type="datetimeFigureOut">
               <a:rPr lang="zh-CN" altLang="en-US" smtClean="0"/>
               <a:pPr/>
-              <a:t>2017/11/1</a:t>
+              <a:t>2017/11/2</a:t>
             </a:fld>
             <a:endParaRPr lang="zh-CN" altLang="en-US"/>
           </a:p>
@@ -456,7 +457,7 @@
             <a:fld id="{530820CF-B880-4189-942D-D702A7CBA730}" type="datetimeFigureOut">
               <a:rPr lang="zh-CN" altLang="en-US" smtClean="0"/>
               <a:pPr/>
-              <a:t>2017/11/1</a:t>
+              <a:t>2017/11/2</a:t>
             </a:fld>
             <a:endParaRPr lang="zh-CN" altLang="en-US"/>
           </a:p>
@@ -633,7 +634,7 @@
             <a:fld id="{530820CF-B880-4189-942D-D702A7CBA730}" type="datetimeFigureOut">
               <a:rPr lang="zh-CN" altLang="en-US" smtClean="0"/>
               <a:pPr/>
-              <a:t>2017/11/1</a:t>
+              <a:t>2017/11/2</a:t>
             </a:fld>
             <a:endParaRPr lang="zh-CN" altLang="en-US"/>
           </a:p>
@@ -800,7 +801,7 @@
             <a:fld id="{530820CF-B880-4189-942D-D702A7CBA730}" type="datetimeFigureOut">
               <a:rPr lang="zh-CN" altLang="en-US" smtClean="0"/>
               <a:pPr/>
-              <a:t>2017/11/1</a:t>
+              <a:t>2017/11/2</a:t>
             </a:fld>
             <a:endParaRPr lang="zh-CN" altLang="en-US"/>
           </a:p>
@@ -1043,7 +1044,7 @@
             <a:fld id="{530820CF-B880-4189-942D-D702A7CBA730}" type="datetimeFigureOut">
               <a:rPr lang="zh-CN" altLang="en-US" smtClean="0"/>
               <a:pPr/>
-              <a:t>2017/11/1</a:t>
+              <a:t>2017/11/2</a:t>
             </a:fld>
             <a:endParaRPr lang="zh-CN" altLang="en-US"/>
           </a:p>
@@ -1328,7 +1329,7 @@
             <a:fld id="{530820CF-B880-4189-942D-D702A7CBA730}" type="datetimeFigureOut">
               <a:rPr lang="zh-CN" altLang="en-US" smtClean="0"/>
               <a:pPr/>
-              <a:t>2017/11/1</a:t>
+              <a:t>2017/11/2</a:t>
             </a:fld>
             <a:endParaRPr lang="zh-CN" altLang="en-US"/>
           </a:p>
@@ -1747,7 +1748,7 @@
             <a:fld id="{530820CF-B880-4189-942D-D702A7CBA730}" type="datetimeFigureOut">
               <a:rPr lang="zh-CN" altLang="en-US" smtClean="0"/>
               <a:pPr/>
-              <a:t>2017/11/1</a:t>
+              <a:t>2017/11/2</a:t>
             </a:fld>
             <a:endParaRPr lang="zh-CN" altLang="en-US"/>
           </a:p>
@@ -1862,7 +1863,7 @@
             <a:fld id="{530820CF-B880-4189-942D-D702A7CBA730}" type="datetimeFigureOut">
               <a:rPr lang="zh-CN" altLang="en-US" smtClean="0"/>
               <a:pPr/>
-              <a:t>2017/11/1</a:t>
+              <a:t>2017/11/2</a:t>
             </a:fld>
             <a:endParaRPr lang="zh-CN" altLang="en-US"/>
           </a:p>
@@ -1954,7 +1955,7 @@
             <a:fld id="{530820CF-B880-4189-942D-D702A7CBA730}" type="datetimeFigureOut">
               <a:rPr lang="zh-CN" altLang="en-US" smtClean="0"/>
               <a:pPr/>
-              <a:t>2017/11/1</a:t>
+              <a:t>2017/11/2</a:t>
             </a:fld>
             <a:endParaRPr lang="zh-CN" altLang="en-US"/>
           </a:p>
@@ -2228,7 +2229,7 @@
             <a:fld id="{530820CF-B880-4189-942D-D702A7CBA730}" type="datetimeFigureOut">
               <a:rPr lang="zh-CN" altLang="en-US" smtClean="0"/>
               <a:pPr/>
-              <a:t>2017/11/1</a:t>
+              <a:t>2017/11/2</a:t>
             </a:fld>
             <a:endParaRPr lang="zh-CN" altLang="en-US"/>
           </a:p>
@@ -2478,7 +2479,7 @@
             <a:fld id="{530820CF-B880-4189-942D-D702A7CBA730}" type="datetimeFigureOut">
               <a:rPr lang="zh-CN" altLang="en-US" smtClean="0"/>
               <a:pPr/>
-              <a:t>2017/11/1</a:t>
+              <a:t>2017/11/2</a:t>
             </a:fld>
             <a:endParaRPr lang="zh-CN" altLang="en-US"/>
           </a:p>
@@ -2688,7 +2689,7 @@
             <a:fld id="{530820CF-B880-4189-942D-D702A7CBA730}" type="datetimeFigureOut">
               <a:rPr lang="zh-CN" altLang="en-US" smtClean="0"/>
               <a:pPr/>
-              <a:t>2017/11/1</a:t>
+              <a:t>2017/11/2</a:t>
             </a:fld>
             <a:endParaRPr lang="zh-CN" altLang="en-US"/>
           </a:p>
@@ -5214,23 +5215,7 @@
                   <a:schemeClr val="tx1"/>
                 </a:solidFill>
               </a:rPr>
-              <a:t>断线</a:t>
-            </a:r>
-            <a:r>
-              <a:rPr lang="zh-CN" altLang="en-US" dirty="0" smtClean="0">
-                <a:solidFill>
-                  <a:schemeClr val="tx1"/>
-                </a:solidFill>
-              </a:rPr>
-              <a:t>，</a:t>
-            </a:r>
-            <a:r>
-              <a:rPr lang="zh-CN" altLang="en-US" dirty="0" smtClean="0">
-                <a:solidFill>
-                  <a:schemeClr val="tx1"/>
-                </a:solidFill>
-              </a:rPr>
-              <a:t>改状态</a:t>
+              <a:t>断线，改状态</a:t>
             </a:r>
             <a:endParaRPr lang="zh-CN" altLang="en-US" dirty="0">
               <a:solidFill>
@@ -5347,6 +5332,445 @@
       </p:par>
     </p:tnLst>
   </p:timing>
+</p:sld>
+</file>
+
+<file path=ppt/slides/slide2.xml><?xml version="1.0" encoding="utf-8"?>
+<p:sld xmlns:a="http://schemas.openxmlformats.org/drawingml/2006/main" xmlns:r="http://schemas.openxmlformats.org/officeDocument/2006/relationships" xmlns:p="http://schemas.openxmlformats.org/presentationml/2006/main">
+  <p:cSld>
+    <p:spTree>
+      <p:nvGrpSpPr>
+        <p:cNvPr id="1" name=""/>
+        <p:cNvGrpSpPr/>
+        <p:nvPr/>
+      </p:nvGrpSpPr>
+      <p:grpSpPr>
+        <a:xfrm>
+          <a:off x="0" y="0"/>
+          <a:ext cx="0" cy="0"/>
+          <a:chOff x="0" y="0"/>
+          <a:chExt cx="0" cy="0"/>
+        </a:xfrm>
+      </p:grpSpPr>
+      <p:sp>
+        <p:nvSpPr>
+          <p:cNvPr id="9" name="矩形 8"/>
+          <p:cNvSpPr/>
+          <p:nvPr/>
+        </p:nvSpPr>
+        <p:spPr>
+          <a:xfrm>
+            <a:off x="214282" y="2071678"/>
+            <a:ext cx="2643206" cy="3143272"/>
+          </a:xfrm>
+          <a:prstGeom prst="rect">
+            <a:avLst/>
+          </a:prstGeom>
+        </p:spPr>
+        <p:style>
+          <a:lnRef idx="1">
+            <a:schemeClr val="accent4"/>
+          </a:lnRef>
+          <a:fillRef idx="2">
+            <a:schemeClr val="accent4"/>
+          </a:fillRef>
+          <a:effectRef idx="1">
+            <a:schemeClr val="accent4"/>
+          </a:effectRef>
+          <a:fontRef idx="minor">
+            <a:schemeClr val="dk1"/>
+          </a:fontRef>
+        </p:style>
+        <p:txBody>
+          <a:bodyPr rtlCol="0" anchor="ctr"/>
+          <a:lstStyle/>
+          <a:p>
+            <a:r>
+              <a:rPr lang="zh-CN" altLang="en-US" dirty="0" smtClean="0"/>
+              <a:t>嵌入方</a:t>
+            </a:r>
+            <a:endParaRPr lang="zh-CN" altLang="en-US" dirty="0"/>
+          </a:p>
+        </p:txBody>
+      </p:sp>
+      <p:sp>
+        <p:nvSpPr>
+          <p:cNvPr id="4" name="圆角矩形 3"/>
+          <p:cNvSpPr/>
+          <p:nvPr/>
+        </p:nvSpPr>
+        <p:spPr>
+          <a:xfrm>
+            <a:off x="1000100" y="2714620"/>
+            <a:ext cx="1714512" cy="1714512"/>
+          </a:xfrm>
+          <a:prstGeom prst="roundRect">
+            <a:avLst/>
+          </a:prstGeom>
+        </p:spPr>
+        <p:style>
+          <a:lnRef idx="1">
+            <a:schemeClr val="accent2"/>
+          </a:lnRef>
+          <a:fillRef idx="2">
+            <a:schemeClr val="accent2"/>
+          </a:fillRef>
+          <a:effectRef idx="1">
+            <a:schemeClr val="accent2"/>
+          </a:effectRef>
+          <a:fontRef idx="minor">
+            <a:schemeClr val="dk1"/>
+          </a:fontRef>
+        </p:style>
+        <p:txBody>
+          <a:bodyPr rtlCol="0" anchor="ctr"/>
+          <a:lstStyle/>
+          <a:p>
+            <a:pPr algn="ctr"/>
+            <a:r>
+              <a:rPr lang="en-US" altLang="zh-CN" dirty="0" err="1" smtClean="0"/>
+              <a:t>AnyChatClient</a:t>
+            </a:r>
+            <a:endParaRPr lang="zh-CN" altLang="en-US" dirty="0"/>
+          </a:p>
+        </p:txBody>
+      </p:sp>
+      <p:sp>
+        <p:nvSpPr>
+          <p:cNvPr id="5" name="圆角矩形 4"/>
+          <p:cNvSpPr/>
+          <p:nvPr/>
+        </p:nvSpPr>
+        <p:spPr>
+          <a:xfrm>
+            <a:off x="4286248" y="2714620"/>
+            <a:ext cx="1785950" cy="1714512"/>
+          </a:xfrm>
+          <a:prstGeom prst="roundRect">
+            <a:avLst/>
+          </a:prstGeom>
+        </p:spPr>
+        <p:style>
+          <a:lnRef idx="1">
+            <a:schemeClr val="accent2"/>
+          </a:lnRef>
+          <a:fillRef idx="2">
+            <a:schemeClr val="accent2"/>
+          </a:fillRef>
+          <a:effectRef idx="1">
+            <a:schemeClr val="accent2"/>
+          </a:effectRef>
+          <a:fontRef idx="minor">
+            <a:schemeClr val="dk1"/>
+          </a:fontRef>
+        </p:style>
+        <p:txBody>
+          <a:bodyPr rtlCol="0" anchor="ctr"/>
+          <a:lstStyle/>
+          <a:p>
+            <a:pPr algn="ctr"/>
+            <a:r>
+              <a:rPr lang="en-US" altLang="zh-CN" dirty="0" err="1" smtClean="0"/>
+              <a:t>AnyChatServer</a:t>
+            </a:r>
+            <a:endParaRPr lang="zh-CN" altLang="en-US" dirty="0"/>
+          </a:p>
+        </p:txBody>
+      </p:sp>
+      <p:sp>
+        <p:nvSpPr>
+          <p:cNvPr id="6" name="圆角矩形 5"/>
+          <p:cNvSpPr/>
+          <p:nvPr/>
+        </p:nvSpPr>
+        <p:spPr>
+          <a:xfrm>
+            <a:off x="7215206" y="2071678"/>
+            <a:ext cx="1928826" cy="3571900"/>
+          </a:xfrm>
+          <a:prstGeom prst="roundRect">
+            <a:avLst/>
+          </a:prstGeom>
+        </p:spPr>
+        <p:style>
+          <a:lnRef idx="1">
+            <a:schemeClr val="accent4"/>
+          </a:lnRef>
+          <a:fillRef idx="2">
+            <a:schemeClr val="accent4"/>
+          </a:fillRef>
+          <a:effectRef idx="1">
+            <a:schemeClr val="accent4"/>
+          </a:effectRef>
+          <a:fontRef idx="minor">
+            <a:schemeClr val="dk1"/>
+          </a:fontRef>
+        </p:style>
+        <p:txBody>
+          <a:bodyPr rtlCol="0" anchor="ctr"/>
+          <a:lstStyle/>
+          <a:p>
+            <a:pPr algn="ctr"/>
+            <a:r>
+              <a:rPr lang="zh-CN" altLang="en-US" dirty="0" smtClean="0"/>
+              <a:t>第三</a:t>
+            </a:r>
+            <a:r>
+              <a:rPr lang="zh-CN" altLang="en-US" dirty="0" smtClean="0"/>
+              <a:t>方身份系统提供</a:t>
+            </a:r>
+            <a:r>
+              <a:rPr lang="en-US" altLang="zh-CN" dirty="0" err="1" smtClean="0"/>
+              <a:t>api</a:t>
+            </a:r>
+            <a:r>
+              <a:rPr lang="zh-CN" altLang="en-US" dirty="0" smtClean="0"/>
+              <a:t>：</a:t>
+            </a:r>
+            <a:endParaRPr lang="en-US" altLang="zh-CN" dirty="0" smtClean="0"/>
+          </a:p>
+          <a:p>
+            <a:pPr algn="ctr"/>
+            <a:r>
+              <a:rPr lang="en-US" altLang="zh-CN" dirty="0" smtClean="0"/>
+              <a:t>1</a:t>
+            </a:r>
+            <a:r>
+              <a:rPr lang="zh-CN" altLang="en-US" dirty="0" smtClean="0"/>
+              <a:t>、身份验证</a:t>
+            </a:r>
+            <a:endParaRPr lang="en-US" altLang="zh-CN" dirty="0" smtClean="0"/>
+          </a:p>
+          <a:p>
+            <a:pPr algn="ctr"/>
+            <a:r>
+              <a:rPr lang="en-US" altLang="zh-CN" dirty="0" smtClean="0"/>
+              <a:t>2</a:t>
+            </a:r>
+            <a:r>
+              <a:rPr lang="zh-CN" altLang="en-US" dirty="0" smtClean="0"/>
+              <a:t>、好友或组织列表</a:t>
+            </a:r>
+            <a:endParaRPr lang="en-US" altLang="zh-CN" dirty="0" smtClean="0"/>
+          </a:p>
+          <a:p>
+            <a:pPr algn="ctr"/>
+            <a:r>
+              <a:rPr lang="en-US" altLang="zh-CN" dirty="0" smtClean="0"/>
+              <a:t>3</a:t>
+            </a:r>
+            <a:r>
+              <a:rPr lang="zh-CN" altLang="en-US" dirty="0" smtClean="0"/>
+              <a:t>、组织信息</a:t>
+            </a:r>
+            <a:endParaRPr lang="zh-CN" altLang="en-US" dirty="0"/>
+          </a:p>
+        </p:txBody>
+      </p:sp>
+      <p:sp>
+        <p:nvSpPr>
+          <p:cNvPr id="7" name="TextBox 6"/>
+          <p:cNvSpPr txBox="1"/>
+          <p:nvPr/>
+        </p:nvSpPr>
+        <p:spPr>
+          <a:xfrm>
+            <a:off x="0" y="500042"/>
+            <a:ext cx="9144000" cy="1200329"/>
+          </a:xfrm>
+          <a:prstGeom prst="rect">
+            <a:avLst/>
+          </a:prstGeom>
+          <a:noFill/>
+        </p:spPr>
+        <p:txBody>
+          <a:bodyPr wrap="square" rtlCol="0">
+            <a:spAutoFit/>
+          </a:bodyPr>
+          <a:lstStyle/>
+          <a:p>
+            <a:r>
+              <a:rPr lang="zh-CN" altLang="en-US" dirty="0" smtClean="0"/>
+              <a:t>嵌入方提供</a:t>
+            </a:r>
+            <a:r>
+              <a:rPr lang="en-US" altLang="zh-CN" dirty="0" smtClean="0"/>
+              <a:t>token</a:t>
+            </a:r>
+            <a:r>
+              <a:rPr lang="zh-CN" altLang="en-US" dirty="0" smtClean="0"/>
+              <a:t>进行嵌入，例如</a:t>
+            </a:r>
+            <a:endParaRPr lang="en-US" altLang="zh-CN" dirty="0" smtClean="0"/>
+          </a:p>
+          <a:p>
+            <a:r>
+              <a:rPr lang="en-US" altLang="zh-CN" dirty="0" smtClean="0"/>
+              <a:t>&lt;</a:t>
+            </a:r>
+            <a:r>
+              <a:rPr lang="en-US" altLang="zh-CN" dirty="0" err="1" smtClean="0"/>
+              <a:t>iframe</a:t>
+            </a:r>
+            <a:r>
+              <a:rPr lang="en-US" altLang="zh-CN" dirty="0" smtClean="0"/>
+              <a:t> </a:t>
+            </a:r>
+            <a:r>
+              <a:rPr lang="en-US" altLang="zh-CN" dirty="0" err="1" smtClean="0"/>
+              <a:t>src</a:t>
+            </a:r>
+            <a:r>
+              <a:rPr lang="en-US" altLang="zh-CN" dirty="0" smtClean="0"/>
+              <a:t>="https://ip:port/AnyChatClient/index.html?</a:t>
+            </a:r>
+            <a:r>
+              <a:rPr lang="en-US" altLang="zh-CN" dirty="0" smtClean="0">
+                <a:solidFill>
+                  <a:srgbClr val="C00000"/>
+                </a:solidFill>
+              </a:rPr>
+              <a:t>token=5ffdefd0e1104ebdbc49cc6de538b669</a:t>
+            </a:r>
+            <a:r>
+              <a:rPr lang="en-US" altLang="zh-CN" dirty="0" smtClean="0"/>
+              <a:t>"&gt;&lt;/iframe&gt;</a:t>
+            </a:r>
+            <a:endParaRPr lang="zh-CN" altLang="en-US" dirty="0"/>
+          </a:p>
+        </p:txBody>
+      </p:sp>
+      <p:sp>
+        <p:nvSpPr>
+          <p:cNvPr id="8" name="右箭头 7"/>
+          <p:cNvSpPr/>
+          <p:nvPr/>
+        </p:nvSpPr>
+        <p:spPr>
+          <a:xfrm>
+            <a:off x="2714612" y="3071810"/>
+            <a:ext cx="1571636" cy="928694"/>
+          </a:xfrm>
+          <a:prstGeom prst="rightArrow">
+            <a:avLst/>
+          </a:prstGeom>
+        </p:spPr>
+        <p:style>
+          <a:lnRef idx="3">
+            <a:schemeClr val="lt1"/>
+          </a:lnRef>
+          <a:fillRef idx="1">
+            <a:schemeClr val="accent2"/>
+          </a:fillRef>
+          <a:effectRef idx="1">
+            <a:schemeClr val="accent2"/>
+          </a:effectRef>
+          <a:fontRef idx="minor">
+            <a:schemeClr val="lt1"/>
+          </a:fontRef>
+        </p:style>
+        <p:txBody>
+          <a:bodyPr rtlCol="0" anchor="ctr"/>
+          <a:lstStyle/>
+          <a:p>
+            <a:pPr algn="ctr"/>
+            <a:r>
+              <a:rPr lang="en-US" altLang="zh-CN" dirty="0" smtClean="0"/>
+              <a:t>token</a:t>
+            </a:r>
+            <a:endParaRPr lang="zh-CN" altLang="en-US" dirty="0"/>
+          </a:p>
+        </p:txBody>
+      </p:sp>
+      <p:sp>
+        <p:nvSpPr>
+          <p:cNvPr id="10" name="右箭头 9"/>
+          <p:cNvSpPr/>
+          <p:nvPr/>
+        </p:nvSpPr>
+        <p:spPr>
+          <a:xfrm>
+            <a:off x="6072198" y="2714620"/>
+            <a:ext cx="1214446" cy="928694"/>
+          </a:xfrm>
+          <a:prstGeom prst="rightArrow">
+            <a:avLst/>
+          </a:prstGeom>
+        </p:spPr>
+        <p:style>
+          <a:lnRef idx="3">
+            <a:schemeClr val="lt1"/>
+          </a:lnRef>
+          <a:fillRef idx="1">
+            <a:schemeClr val="accent2"/>
+          </a:fillRef>
+          <a:effectRef idx="1">
+            <a:schemeClr val="accent2"/>
+          </a:effectRef>
+          <a:fontRef idx="minor">
+            <a:schemeClr val="lt1"/>
+          </a:fontRef>
+        </p:style>
+        <p:txBody>
+          <a:bodyPr rtlCol="0" anchor="ctr"/>
+          <a:lstStyle/>
+          <a:p>
+            <a:pPr algn="ctr"/>
+            <a:r>
+              <a:rPr lang="en-US" altLang="zh-CN" dirty="0" smtClean="0"/>
+              <a:t>token</a:t>
+            </a:r>
+            <a:endParaRPr lang="zh-CN" altLang="en-US" dirty="0"/>
+          </a:p>
+        </p:txBody>
+      </p:sp>
+      <p:sp>
+        <p:nvSpPr>
+          <p:cNvPr id="11" name="左箭头 10"/>
+          <p:cNvSpPr/>
+          <p:nvPr/>
+        </p:nvSpPr>
+        <p:spPr>
+          <a:xfrm>
+            <a:off x="6000760" y="3643314"/>
+            <a:ext cx="1357322" cy="857256"/>
+          </a:xfrm>
+          <a:prstGeom prst="leftArrow">
+            <a:avLst/>
+          </a:prstGeom>
+        </p:spPr>
+        <p:style>
+          <a:lnRef idx="1">
+            <a:schemeClr val="accent4"/>
+          </a:lnRef>
+          <a:fillRef idx="2">
+            <a:schemeClr val="accent4"/>
+          </a:fillRef>
+          <a:effectRef idx="1">
+            <a:schemeClr val="accent4"/>
+          </a:effectRef>
+          <a:fontRef idx="minor">
+            <a:schemeClr val="dk1"/>
+          </a:fontRef>
+        </p:style>
+        <p:txBody>
+          <a:bodyPr rtlCol="0" anchor="ctr"/>
+          <a:lstStyle/>
+          <a:p>
+            <a:pPr algn="ctr"/>
+            <a:r>
+              <a:rPr lang="zh-CN" altLang="en-US" dirty="0" smtClean="0"/>
+              <a:t>返回信息</a:t>
+            </a:r>
+            <a:endParaRPr lang="zh-CN" altLang="en-US" dirty="0"/>
+          </a:p>
+        </p:txBody>
+      </p:sp>
+    </p:spTree>
+  </p:cSld>
+  <p:clrMapOvr>
+    <a:masterClrMapping/>
+  </p:clrMapOvr>
 </p:sld>
 </file>
 

--- a/anychat.pptx
+++ b/anychat.pptx
@@ -290,7 +290,7 @@
             <a:fld id="{530820CF-B880-4189-942D-D702A7CBA730}" type="datetimeFigureOut">
               <a:rPr lang="zh-CN" altLang="en-US" smtClean="0"/>
               <a:pPr/>
-              <a:t>2017/11/2</a:t>
+              <a:t>2017/11/15</a:t>
             </a:fld>
             <a:endParaRPr lang="zh-CN" altLang="en-US"/>
           </a:p>
@@ -457,7 +457,7 @@
             <a:fld id="{530820CF-B880-4189-942D-D702A7CBA730}" type="datetimeFigureOut">
               <a:rPr lang="zh-CN" altLang="en-US" smtClean="0"/>
               <a:pPr/>
-              <a:t>2017/11/2</a:t>
+              <a:t>2017/11/15</a:t>
             </a:fld>
             <a:endParaRPr lang="zh-CN" altLang="en-US"/>
           </a:p>
@@ -634,7 +634,7 @@
             <a:fld id="{530820CF-B880-4189-942D-D702A7CBA730}" type="datetimeFigureOut">
               <a:rPr lang="zh-CN" altLang="en-US" smtClean="0"/>
               <a:pPr/>
-              <a:t>2017/11/2</a:t>
+              <a:t>2017/11/15</a:t>
             </a:fld>
             <a:endParaRPr lang="zh-CN" altLang="en-US"/>
           </a:p>
@@ -801,7 +801,7 @@
             <a:fld id="{530820CF-B880-4189-942D-D702A7CBA730}" type="datetimeFigureOut">
               <a:rPr lang="zh-CN" altLang="en-US" smtClean="0"/>
               <a:pPr/>
-              <a:t>2017/11/2</a:t>
+              <a:t>2017/11/15</a:t>
             </a:fld>
             <a:endParaRPr lang="zh-CN" altLang="en-US"/>
           </a:p>
@@ -1044,7 +1044,7 @@
             <a:fld id="{530820CF-B880-4189-942D-D702A7CBA730}" type="datetimeFigureOut">
               <a:rPr lang="zh-CN" altLang="en-US" smtClean="0"/>
               <a:pPr/>
-              <a:t>2017/11/2</a:t>
+              <a:t>2017/11/15</a:t>
             </a:fld>
             <a:endParaRPr lang="zh-CN" altLang="en-US"/>
           </a:p>
@@ -1329,7 +1329,7 @@
             <a:fld id="{530820CF-B880-4189-942D-D702A7CBA730}" type="datetimeFigureOut">
               <a:rPr lang="zh-CN" altLang="en-US" smtClean="0"/>
               <a:pPr/>
-              <a:t>2017/11/2</a:t>
+              <a:t>2017/11/15</a:t>
             </a:fld>
             <a:endParaRPr lang="zh-CN" altLang="en-US"/>
           </a:p>
@@ -1748,7 +1748,7 @@
             <a:fld id="{530820CF-B880-4189-942D-D702A7CBA730}" type="datetimeFigureOut">
               <a:rPr lang="zh-CN" altLang="en-US" smtClean="0"/>
               <a:pPr/>
-              <a:t>2017/11/2</a:t>
+              <a:t>2017/11/15</a:t>
             </a:fld>
             <a:endParaRPr lang="zh-CN" altLang="en-US"/>
           </a:p>
@@ -1863,7 +1863,7 @@
             <a:fld id="{530820CF-B880-4189-942D-D702A7CBA730}" type="datetimeFigureOut">
               <a:rPr lang="zh-CN" altLang="en-US" smtClean="0"/>
               <a:pPr/>
-              <a:t>2017/11/2</a:t>
+              <a:t>2017/11/15</a:t>
             </a:fld>
             <a:endParaRPr lang="zh-CN" altLang="en-US"/>
           </a:p>
@@ -1955,7 +1955,7 @@
             <a:fld id="{530820CF-B880-4189-942D-D702A7CBA730}" type="datetimeFigureOut">
               <a:rPr lang="zh-CN" altLang="en-US" smtClean="0"/>
               <a:pPr/>
-              <a:t>2017/11/2</a:t>
+              <a:t>2017/11/15</a:t>
             </a:fld>
             <a:endParaRPr lang="zh-CN" altLang="en-US"/>
           </a:p>
@@ -2229,7 +2229,7 @@
             <a:fld id="{530820CF-B880-4189-942D-D702A7CBA730}" type="datetimeFigureOut">
               <a:rPr lang="zh-CN" altLang="en-US" smtClean="0"/>
               <a:pPr/>
-              <a:t>2017/11/2</a:t>
+              <a:t>2017/11/15</a:t>
             </a:fld>
             <a:endParaRPr lang="zh-CN" altLang="en-US"/>
           </a:p>
@@ -2479,7 +2479,7 @@
             <a:fld id="{530820CF-B880-4189-942D-D702A7CBA730}" type="datetimeFigureOut">
               <a:rPr lang="zh-CN" altLang="en-US" smtClean="0"/>
               <a:pPr/>
-              <a:t>2017/11/2</a:t>
+              <a:t>2017/11/15</a:t>
             </a:fld>
             <a:endParaRPr lang="zh-CN" altLang="en-US"/>
           </a:p>
@@ -2689,7 +2689,7 @@
             <a:fld id="{530820CF-B880-4189-942D-D702A7CBA730}" type="datetimeFigureOut">
               <a:rPr lang="zh-CN" altLang="en-US" smtClean="0"/>
               <a:pPr/>
-              <a:t>2017/11/2</a:t>
+              <a:t>2017/11/15</a:t>
             </a:fld>
             <a:endParaRPr lang="zh-CN" altLang="en-US"/>
           </a:p>
@@ -5429,7 +5429,7 @@
             <a:pPr algn="ctr"/>
             <a:r>
               <a:rPr lang="en-US" altLang="zh-CN" dirty="0" err="1" smtClean="0"/>
-              <a:t>AnyChatClient</a:t>
+              <a:t>ChatClient</a:t>
             </a:r>
             <a:endParaRPr lang="zh-CN" altLang="en-US" dirty="0"/>
           </a:p>
@@ -5470,8 +5470,8 @@
           <a:p>
             <a:pPr algn="ctr"/>
             <a:r>
-              <a:rPr lang="en-US" altLang="zh-CN" dirty="0" err="1" smtClean="0"/>
-              <a:t>AnyChatServer</a:t>
+              <a:rPr lang="en-US" altLang="zh-CN" dirty="0" smtClean="0"/>
+              <a:t>Chat</a:t>
             </a:r>
             <a:endParaRPr lang="zh-CN" altLang="en-US" dirty="0"/>
           </a:p>
@@ -5513,11 +5513,7 @@
             <a:pPr algn="ctr"/>
             <a:r>
               <a:rPr lang="zh-CN" altLang="en-US" dirty="0" smtClean="0"/>
-              <a:t>第三</a:t>
-            </a:r>
-            <a:r>
-              <a:rPr lang="zh-CN" altLang="en-US" dirty="0" smtClean="0"/>
-              <a:t>方身份系统提供</a:t>
+              <a:t>第三方身份系统提供</a:t>
             </a:r>
             <a:r>
               <a:rPr lang="en-US" altLang="zh-CN" dirty="0" err="1" smtClean="0"/>
@@ -5622,10 +5618,18 @@
             </a:r>
             <a:r>
               <a:rPr lang="en-US" altLang="zh-CN" dirty="0" smtClean="0"/>
-              <a:t>="https://ip:port/AnyChatClient/index.html?</a:t>
-            </a:r>
-            <a:r>
-              <a:rPr lang="en-US" altLang="zh-CN" dirty="0" smtClean="0">
+              <a:t>="https</a:t>
+            </a:r>
+            <a:r>
+              <a:rPr lang="en-US" altLang="zh-CN" smtClean="0"/>
+              <a:t>://</a:t>
+            </a:r>
+            <a:r>
+              <a:rPr lang="en-US" altLang="zh-CN" smtClean="0"/>
+              <a:t>ip:port/ChatClient/index.html?</a:t>
+            </a:r>
+            <a:r>
+              <a:rPr lang="en-US" altLang="zh-CN" smtClean="0">
                 <a:solidFill>
                   <a:srgbClr val="C00000"/>
                 </a:solidFill>
